--- a/fuentes/contenidos/grado08/guion08/MA_08_08_REC.pptx
+++ b/fuentes/contenidos/grado08/guion08/MA_08_08_REC.pptx
@@ -450,9 +450,9 @@
           <a:p>
             <a:fld id="{5001C876-01F7-4317-94B9-1AE222133113}" type="datetimeFigureOut">
               <a:rPr lang="es-ES" smtClean="0"/>
-              <a:t>08/01/2016</a:t>
+              <a:t>09/01/2016</a:t>
             </a:fld>
-            <a:endParaRPr lang="es-ES"/>
+            <a:endParaRPr lang="es-ES" dirty="0"/>
           </a:p>
         </p:txBody>
       </p:sp>
@@ -479,7 +479,7 @@
           <a:bodyPr/>
           <a:lstStyle/>
           <a:p>
-            <a:endParaRPr lang="es-ES"/>
+            <a:endParaRPr lang="es-ES" dirty="0"/>
           </a:p>
         </p:txBody>
       </p:sp>
@@ -510,7 +510,7 @@
               <a:rPr lang="es-ES" smtClean="0"/>
               <a:t>‹Nº›</a:t>
             </a:fld>
-            <a:endParaRPr lang="es-ES"/>
+            <a:endParaRPr lang="es-ES" dirty="0"/>
           </a:p>
         </p:txBody>
       </p:sp>
@@ -1089,8 +1089,8 @@
         </p:nvSpPr>
         <p:spPr>
           <a:xfrm>
-            <a:off x="1478031" y="1678808"/>
-            <a:ext cx="956790" cy="495951"/>
+            <a:off x="1439515" y="1683916"/>
+            <a:ext cx="1049148" cy="495951"/>
           </a:xfrm>
           <a:prstGeom prst="rect">
             <a:avLst/>
@@ -1131,11 +1131,18 @@
           <a:p>
             <a:pPr algn="ctr"/>
             <a:r>
+              <a:rPr lang="es-ES" sz="1200" b="1" dirty="0">
+                <a:latin typeface="Arial" panose="020B0604020202020204" pitchFamily="34" charset="0"/>
+                <a:cs typeface="Arial" panose="020B0604020202020204" pitchFamily="34" charset="0"/>
+              </a:rPr>
+              <a:t>I</a:t>
+            </a:r>
+            <a:r>
               <a:rPr lang="es-ES" sz="1200" b="1" dirty="0" smtClean="0">
                 <a:latin typeface="Arial" panose="020B0604020202020204" pitchFamily="34" charset="0"/>
                 <a:cs typeface="Arial" panose="020B0604020202020204" pitchFamily="34" charset="0"/>
               </a:rPr>
-              <a:t>Inductivo</a:t>
+              <a:t>nductivo</a:t>
             </a:r>
             <a:endParaRPr lang="es-ES" sz="1200" b="1" dirty="0">
               <a:latin typeface="Arial" panose="020B0604020202020204" pitchFamily="34" charset="0"/>
@@ -1190,7 +1197,7 @@
         </p:nvSpPr>
         <p:spPr>
           <a:xfrm>
-            <a:off x="1394567" y="2591120"/>
+            <a:off x="1402805" y="2591120"/>
             <a:ext cx="1122431" cy="230832"/>
           </a:xfrm>
           <a:prstGeom prst="rect">
@@ -1210,14 +1217,7 @@
                 <a:latin typeface="Arial" panose="020B0604020202020204" pitchFamily="34" charset="0"/>
                 <a:cs typeface="Arial" panose="020B0604020202020204" pitchFamily="34" charset="0"/>
               </a:rPr>
-              <a:t>parte de</a:t>
-            </a:r>
-            <a:r>
-              <a:rPr lang="es-ES" sz="900" dirty="0" smtClean="0">
-                <a:latin typeface="Arial" panose="020B0604020202020204" pitchFamily="34" charset="0"/>
-                <a:cs typeface="Arial" panose="020B0604020202020204" pitchFamily="34" charset="0"/>
-              </a:rPr>
-              <a:t> lo</a:t>
+              <a:t>parte de lo</a:t>
             </a:r>
             <a:endParaRPr lang="es-ES" sz="900" dirty="0">
               <a:latin typeface="Arial" panose="020B0604020202020204" pitchFamily="34" charset="0"/>
@@ -1237,8 +1237,8 @@
         </p:nvCxnSpPr>
         <p:spPr>
           <a:xfrm rot="5400000">
-            <a:off x="1747925" y="2382618"/>
-            <a:ext cx="416361" cy="643"/>
+            <a:off x="1758429" y="2385459"/>
+            <a:ext cx="411253" cy="68"/>
           </a:xfrm>
           <a:prstGeom prst="bentConnector3">
             <a:avLst>
@@ -1274,7 +1274,7 @@
         </p:nvSpPr>
         <p:spPr>
           <a:xfrm>
-            <a:off x="1487185" y="3134031"/>
+            <a:off x="1495423" y="3134031"/>
             <a:ext cx="935109" cy="772946"/>
           </a:xfrm>
           <a:prstGeom prst="rect">
@@ -1311,6 +1311,16 @@
           <a:p>
             <a:pPr algn="ctr"/>
             <a:r>
+              <a:rPr lang="es-ES" sz="1050" dirty="0">
+                <a:solidFill>
+                  <a:schemeClr val="bg1"/>
+                </a:solidFill>
+                <a:latin typeface="Arial" panose="020B0604020202020204" pitchFamily="34" charset="0"/>
+                <a:cs typeface="Arial" panose="020B0604020202020204" pitchFamily="34" charset="0"/>
+              </a:rPr>
+              <a:t>p</a:t>
+            </a:r>
+            <a:r>
               <a:rPr lang="es-ES" sz="1050" dirty="0" smtClean="0">
                 <a:solidFill>
                   <a:schemeClr val="bg1"/>
@@ -1318,7 +1328,17 @@
                 <a:latin typeface="Arial" panose="020B0604020202020204" pitchFamily="34" charset="0"/>
                 <a:cs typeface="Arial" panose="020B0604020202020204" pitchFamily="34" charset="0"/>
               </a:rPr>
-              <a:t>particular a lo general</a:t>
+              <a:t>articular </a:t>
+            </a:r>
+            <a:r>
+              <a:rPr lang="es-ES" sz="1050" dirty="0" smtClean="0">
+                <a:solidFill>
+                  <a:schemeClr val="bg1"/>
+                </a:solidFill>
+                <a:latin typeface="Arial" panose="020B0604020202020204" pitchFamily="34" charset="0"/>
+                <a:cs typeface="Arial" panose="020B0604020202020204" pitchFamily="34" charset="0"/>
+              </a:rPr>
+              <a:t>a lo general</a:t>
             </a:r>
             <a:endParaRPr lang="es-ES" sz="1050" dirty="0">
               <a:solidFill>
@@ -1341,7 +1361,7 @@
         </p:nvCxnSpPr>
         <p:spPr>
           <a:xfrm rot="5400000">
-            <a:off x="1799223" y="2977470"/>
+            <a:off x="1807461" y="2977470"/>
             <a:ext cx="312079" cy="1043"/>
           </a:xfrm>
           <a:prstGeom prst="bentConnector3">
@@ -1379,7 +1399,7 @@
         <p:spPr>
           <a:xfrm>
             <a:off x="816655" y="675891"/>
-            <a:ext cx="1122431" cy="230832"/>
+            <a:ext cx="1122431" cy="369332"/>
           </a:xfrm>
           <a:prstGeom prst="rect">
             <a:avLst/>
@@ -1398,14 +1418,7 @@
                 <a:latin typeface="Arial" panose="020B0604020202020204" pitchFamily="34" charset="0"/>
                 <a:cs typeface="Arial" panose="020B0604020202020204" pitchFamily="34" charset="0"/>
               </a:rPr>
-              <a:t>puede ser</a:t>
-            </a:r>
-            <a:r>
-              <a:rPr lang="es-ES" sz="900" dirty="0" smtClean="0">
-                <a:latin typeface="Arial" panose="020B0604020202020204" pitchFamily="34" charset="0"/>
-                <a:cs typeface="Arial" panose="020B0604020202020204" pitchFamily="34" charset="0"/>
-              </a:rPr>
-              <a:t> de tipo</a:t>
+              <a:t>pueden ser de tipo</a:t>
             </a:r>
             <a:endParaRPr lang="es-ES" sz="900" dirty="0">
               <a:latin typeface="Arial" panose="020B0604020202020204" pitchFamily="34" charset="0"/>
@@ -1425,8 +1438,8 @@
         </p:nvCxnSpPr>
         <p:spPr>
           <a:xfrm rot="16200000" flipH="1">
-            <a:off x="1281106" y="1003487"/>
-            <a:ext cx="772085" cy="578555"/>
+            <a:off x="1351634" y="1071460"/>
+            <a:ext cx="638693" cy="586218"/>
           </a:xfrm>
           <a:prstGeom prst="bentConnector3">
             <a:avLst>
@@ -1463,7 +1476,7 @@
         <p:spPr>
           <a:xfrm>
             <a:off x="4311501" y="1675130"/>
-            <a:ext cx="1124746" cy="484524"/>
+            <a:ext cx="1124746" cy="526958"/>
           </a:xfrm>
           <a:prstGeom prst="rect">
             <a:avLst/>
@@ -1504,11 +1517,18 @@
           <a:p>
             <a:pPr algn="ctr"/>
             <a:r>
+              <a:rPr lang="es-ES" sz="1200" b="1" dirty="0">
+                <a:latin typeface="Arial" panose="020B0604020202020204" pitchFamily="34" charset="0"/>
+                <a:cs typeface="Arial" panose="020B0604020202020204" pitchFamily="34" charset="0"/>
+              </a:rPr>
+              <a:t>Á</a:t>
+            </a:r>
+            <a:r>
               <a:rPr lang="es-ES" sz="1200" b="1" dirty="0" smtClean="0">
                 <a:latin typeface="Arial" panose="020B0604020202020204" pitchFamily="34" charset="0"/>
                 <a:cs typeface="Arial" panose="020B0604020202020204" pitchFamily="34" charset="0"/>
               </a:rPr>
-              <a:t>Ángulos y rectas</a:t>
+              <a:t>ngulos y rectas</a:t>
             </a:r>
             <a:endParaRPr lang="es-ES" sz="1200" b="1" dirty="0">
               <a:latin typeface="Arial" panose="020B0604020202020204" pitchFamily="34" charset="0"/>
@@ -1528,8 +1548,8 @@
         </p:nvCxnSpPr>
         <p:spPr>
           <a:xfrm rot="16200000" flipH="1">
-            <a:off x="5317496" y="-134764"/>
-            <a:ext cx="264436" cy="1396235"/>
+            <a:off x="5325734" y="-143002"/>
+            <a:ext cx="247960" cy="1396235"/>
           </a:xfrm>
           <a:prstGeom prst="bentConnector3">
             <a:avLst/>
@@ -1603,8 +1623,8 @@
         </p:nvCxnSpPr>
         <p:spPr>
           <a:xfrm rot="5400000">
-            <a:off x="4697608" y="2334764"/>
-            <a:ext cx="351376" cy="1157"/>
+            <a:off x="4718825" y="2355981"/>
+            <a:ext cx="308942" cy="1157"/>
           </a:xfrm>
           <a:prstGeom prst="bentConnector3">
             <a:avLst>
@@ -1640,8 +1660,8 @@
         </p:nvSpPr>
         <p:spPr>
           <a:xfrm>
-            <a:off x="3747435" y="3114367"/>
-            <a:ext cx="1141739" cy="775226"/>
+            <a:off x="3747435" y="3114366"/>
+            <a:ext cx="1147195" cy="805135"/>
           </a:xfrm>
           <a:prstGeom prst="rect">
             <a:avLst/>
@@ -1677,6 +1697,16 @@
           <a:p>
             <a:pPr algn="ctr"/>
             <a:r>
+              <a:rPr lang="es-ES" sz="1050" dirty="0">
+                <a:solidFill>
+                  <a:schemeClr val="bg1"/>
+                </a:solidFill>
+                <a:latin typeface="Arial" panose="020B0604020202020204" pitchFamily="34" charset="0"/>
+                <a:cs typeface="Arial" panose="020B0604020202020204" pitchFamily="34" charset="0"/>
+              </a:rPr>
+              <a:t>á</a:t>
+            </a:r>
+            <a:r>
               <a:rPr lang="es-ES" sz="1050" dirty="0" smtClean="0">
                 <a:solidFill>
                   <a:schemeClr val="bg1"/>
@@ -1684,7 +1714,17 @@
                 <a:latin typeface="Arial" panose="020B0604020202020204" pitchFamily="34" charset="0"/>
                 <a:cs typeface="Arial" panose="020B0604020202020204" pitchFamily="34" charset="0"/>
               </a:rPr>
-              <a:t>ángulos entre rectas perpendiculares</a:t>
+              <a:t>ngulos </a:t>
+            </a:r>
+            <a:r>
+              <a:rPr lang="es-ES" sz="1050" dirty="0" smtClean="0">
+                <a:solidFill>
+                  <a:schemeClr val="bg1"/>
+                </a:solidFill>
+                <a:latin typeface="Arial" panose="020B0604020202020204" pitchFamily="34" charset="0"/>
+                <a:cs typeface="Arial" panose="020B0604020202020204" pitchFamily="34" charset="0"/>
+              </a:rPr>
+              <a:t>entre rectas perpendiculares</a:t>
             </a:r>
             <a:endParaRPr lang="es-ES" sz="1050" dirty="0">
               <a:solidFill>
@@ -1707,8 +1747,8 @@
         </p:nvCxnSpPr>
         <p:spPr>
           <a:xfrm rot="5400000">
-            <a:off x="4409259" y="2650908"/>
-            <a:ext cx="372505" cy="554412"/>
+            <a:off x="4410623" y="2652272"/>
+            <a:ext cx="372504" cy="551684"/>
           </a:xfrm>
           <a:prstGeom prst="bentConnector3">
             <a:avLst>
@@ -1744,7 +1784,7 @@
         </p:nvSpPr>
         <p:spPr>
           <a:xfrm>
-            <a:off x="5586616" y="695572"/>
+            <a:off x="5586616" y="679096"/>
             <a:ext cx="1122431" cy="230832"/>
           </a:xfrm>
           <a:prstGeom prst="rect">
@@ -1764,7 +1804,7 @@
                 <a:latin typeface="Arial" panose="020B0604020202020204" pitchFamily="34" charset="0"/>
                 <a:cs typeface="Arial" panose="020B0604020202020204" pitchFamily="34" charset="0"/>
               </a:rPr>
-              <a:t>puede estudiar</a:t>
+              <a:t>pueden estudiar</a:t>
             </a:r>
             <a:endParaRPr lang="es-ES" sz="900" dirty="0">
               <a:latin typeface="Arial" panose="020B0604020202020204" pitchFamily="34" charset="0"/>
@@ -1784,8 +1824,8 @@
         </p:nvCxnSpPr>
         <p:spPr>
           <a:xfrm rot="5400000">
-            <a:off x="5136490" y="663788"/>
-            <a:ext cx="748726" cy="1273958"/>
+            <a:off x="5128252" y="655550"/>
+            <a:ext cx="765202" cy="1273958"/>
           </a:xfrm>
           <a:prstGeom prst="bentConnector3">
             <a:avLst>
@@ -1858,6 +1898,16 @@
           <a:p>
             <a:pPr algn="ctr"/>
             <a:r>
+              <a:rPr lang="es-ES" sz="1050" dirty="0">
+                <a:solidFill>
+                  <a:schemeClr val="bg1"/>
+                </a:solidFill>
+                <a:latin typeface="Arial" panose="020B0604020202020204" pitchFamily="34" charset="0"/>
+                <a:cs typeface="Arial" panose="020B0604020202020204" pitchFamily="34" charset="0"/>
+              </a:rPr>
+              <a:t>á</a:t>
+            </a:r>
+            <a:r>
               <a:rPr lang="es-ES" sz="1050" dirty="0" smtClean="0">
                 <a:solidFill>
                   <a:schemeClr val="bg1"/>
@@ -1865,7 +1915,17 @@
                 <a:latin typeface="Arial" panose="020B0604020202020204" pitchFamily="34" charset="0"/>
                 <a:cs typeface="Arial" panose="020B0604020202020204" pitchFamily="34" charset="0"/>
               </a:rPr>
-              <a:t>ángulos entre rectas paralelas y una transversal</a:t>
+              <a:t>ngulos </a:t>
+            </a:r>
+            <a:r>
+              <a:rPr lang="es-ES" sz="1050" dirty="0" smtClean="0">
+                <a:solidFill>
+                  <a:schemeClr val="bg1"/>
+                </a:solidFill>
+                <a:latin typeface="Arial" panose="020B0604020202020204" pitchFamily="34" charset="0"/>
+                <a:cs typeface="Arial" panose="020B0604020202020204" pitchFamily="34" charset="0"/>
+              </a:rPr>
+              <a:t>entre rectas paralelas y una transversal</a:t>
             </a:r>
             <a:endParaRPr lang="es-ES" sz="1050" dirty="0">
               <a:solidFill>
@@ -1925,8 +1985,8 @@
         </p:nvSpPr>
         <p:spPr>
           <a:xfrm>
-            <a:off x="2518670" y="1693237"/>
-            <a:ext cx="1442931" cy="468256"/>
+            <a:off x="2551622" y="1693237"/>
+            <a:ext cx="1402541" cy="493307"/>
           </a:xfrm>
           <a:prstGeom prst="rect">
             <a:avLst/>
@@ -1967,11 +2027,18 @@
           <a:p>
             <a:pPr algn="ctr"/>
             <a:r>
+              <a:rPr lang="es-ES" sz="1200" b="1" dirty="0">
+                <a:latin typeface="Arial" panose="020B0604020202020204" pitchFamily="34" charset="0"/>
+                <a:cs typeface="Arial" panose="020B0604020202020204" pitchFamily="34" charset="0"/>
+              </a:rPr>
+              <a:t>D</a:t>
+            </a:r>
+            <a:r>
               <a:rPr lang="es-ES" sz="1200" b="1" dirty="0" smtClean="0">
                 <a:latin typeface="Arial" panose="020B0604020202020204" pitchFamily="34" charset="0"/>
                 <a:cs typeface="Arial" panose="020B0604020202020204" pitchFamily="34" charset="0"/>
               </a:rPr>
-              <a:t>Demostraciones</a:t>
+              <a:t>emostraciones</a:t>
             </a:r>
             <a:endParaRPr lang="es-ES" sz="1200" b="1" dirty="0">
               <a:latin typeface="Arial" panose="020B0604020202020204" pitchFamily="34" charset="0"/>
@@ -1991,8 +2058,8 @@
         </p:nvCxnSpPr>
         <p:spPr>
           <a:xfrm rot="5400000">
-            <a:off x="3866457" y="-196556"/>
-            <a:ext cx="257449" cy="1512833"/>
+            <a:off x="3878814" y="-192437"/>
+            <a:ext cx="249211" cy="1496357"/>
           </a:xfrm>
           <a:prstGeom prst="bentConnector3">
             <a:avLst/>
@@ -2026,7 +2093,7 @@
         </p:nvSpPr>
         <p:spPr>
           <a:xfrm>
-            <a:off x="2702600" y="2555876"/>
+            <a:off x="2710838" y="2555876"/>
             <a:ext cx="1081619" cy="230832"/>
           </a:xfrm>
           <a:prstGeom prst="rect">
@@ -2065,9 +2132,9 @@
           <p:nvPr/>
         </p:nvCxnSpPr>
         <p:spPr>
-          <a:xfrm rot="16200000" flipH="1">
-            <a:off x="3044582" y="2357047"/>
-            <a:ext cx="394383" cy="3274"/>
+          <a:xfrm rot="5400000">
+            <a:off x="3067605" y="2370588"/>
+            <a:ext cx="369332" cy="1245"/>
           </a:xfrm>
           <a:prstGeom prst="bentConnector3">
             <a:avLst>
@@ -2103,7 +2170,7 @@
         </p:nvSpPr>
         <p:spPr>
           <a:xfrm>
-            <a:off x="2825615" y="3117525"/>
+            <a:off x="2833853" y="3117525"/>
             <a:ext cx="843969" cy="789452"/>
           </a:xfrm>
           <a:prstGeom prst="rect">
@@ -2140,6 +2207,16 @@
           <a:p>
             <a:pPr algn="ctr"/>
             <a:r>
+              <a:rPr lang="es-ES" sz="1050" dirty="0">
+                <a:solidFill>
+                  <a:schemeClr val="bg1"/>
+                </a:solidFill>
+                <a:latin typeface="Arial" panose="020B0604020202020204" pitchFamily="34" charset="0"/>
+                <a:cs typeface="Arial" panose="020B0604020202020204" pitchFamily="34" charset="0"/>
+              </a:rPr>
+              <a:t>h</a:t>
+            </a:r>
+            <a:r>
               <a:rPr lang="es-ES" sz="1050" dirty="0" smtClean="0">
                 <a:solidFill>
                   <a:schemeClr val="bg1"/>
@@ -2147,7 +2224,7 @@
                 <a:latin typeface="Arial" panose="020B0604020202020204" pitchFamily="34" charset="0"/>
                 <a:cs typeface="Arial" panose="020B0604020202020204" pitchFamily="34" charset="0"/>
               </a:rPr>
-              <a:t>hipótesis</a:t>
+              <a:t>ipótesis </a:t>
             </a:r>
             <a:r>
               <a:rPr lang="es-ES" sz="1050" dirty="0" smtClean="0">
@@ -2157,7 +2234,7 @@
                 <a:latin typeface="Arial" panose="020B0604020202020204" pitchFamily="34" charset="0"/>
                 <a:cs typeface="Arial" panose="020B0604020202020204" pitchFamily="34" charset="0"/>
               </a:rPr>
-              <a:t> - tesis</a:t>
+              <a:t>- tesis</a:t>
             </a:r>
             <a:endParaRPr lang="es-ES" sz="1050" dirty="0">
               <a:solidFill>
@@ -2180,7 +2257,7 @@
         </p:nvCxnSpPr>
         <p:spPr>
           <a:xfrm rot="16200000" flipH="1">
-            <a:off x="3080097" y="2950021"/>
+            <a:off x="3088335" y="2950021"/>
             <a:ext cx="330817" cy="4190"/>
           </a:xfrm>
           <a:prstGeom prst="bentConnector3">
@@ -2217,7 +2294,7 @@
         </p:nvSpPr>
         <p:spPr>
           <a:xfrm>
-            <a:off x="2693829" y="4228440"/>
+            <a:off x="2693829" y="4071918"/>
             <a:ext cx="1117174" cy="230836"/>
           </a:xfrm>
           <a:prstGeom prst="rect">
@@ -2256,9 +2333,9 @@
           <p:nvPr/>
         </p:nvCxnSpPr>
         <p:spPr>
-          <a:xfrm rot="16200000" flipH="1">
-            <a:off x="3089277" y="4065300"/>
-            <a:ext cx="321463" cy="4816"/>
+          <a:xfrm rot="5400000">
+            <a:off x="3171657" y="3987736"/>
+            <a:ext cx="164941" cy="3422"/>
           </a:xfrm>
           <a:prstGeom prst="bentConnector3">
             <a:avLst>
@@ -2338,7 +2415,17 @@
                 <a:latin typeface="Arial" panose="020B0604020202020204" pitchFamily="34" charset="0"/>
                 <a:cs typeface="Arial" panose="020B0604020202020204" pitchFamily="34" charset="0"/>
               </a:rPr>
-              <a:t>método directo</a:t>
+              <a:t>método </a:t>
+            </a:r>
+            <a:r>
+              <a:rPr lang="es-ES" sz="900" dirty="0" smtClean="0">
+                <a:solidFill>
+                  <a:schemeClr val="tx1"/>
+                </a:solidFill>
+                <a:latin typeface="Arial" panose="020B0604020202020204" pitchFamily="34" charset="0"/>
+                <a:cs typeface="Arial" panose="020B0604020202020204" pitchFamily="34" charset="0"/>
+              </a:rPr>
+              <a:t>directo</a:t>
             </a:r>
             <a:endParaRPr lang="es-ES" sz="900" dirty="0">
               <a:solidFill>
@@ -2361,8 +2448,8 @@
         </p:nvCxnSpPr>
         <p:spPr>
           <a:xfrm rot="5400000">
-            <a:off x="2842207" y="4497903"/>
-            <a:ext cx="448837" cy="371583"/>
+            <a:off x="2763946" y="4419642"/>
+            <a:ext cx="605359" cy="371583"/>
           </a:xfrm>
           <a:prstGeom prst="bentConnector3">
             <a:avLst>
@@ -2398,7 +2485,7 @@
         </p:nvSpPr>
         <p:spPr>
           <a:xfrm>
-            <a:off x="2677548" y="688585"/>
+            <a:off x="2694024" y="680347"/>
             <a:ext cx="1122431" cy="369332"/>
           </a:xfrm>
           <a:prstGeom prst="rect">
@@ -2437,9 +2524,9 @@
           <p:nvPr/>
         </p:nvCxnSpPr>
         <p:spPr>
-          <a:xfrm rot="16200000" flipH="1">
-            <a:off x="2921790" y="1374891"/>
-            <a:ext cx="635320" cy="1372"/>
+          <a:xfrm rot="5400000">
+            <a:off x="2932288" y="1370285"/>
+            <a:ext cx="643558" cy="2347"/>
           </a:xfrm>
           <a:prstGeom prst="bentConnector3">
             <a:avLst>
@@ -2475,8 +2562,8 @@
         </p:nvSpPr>
         <p:spPr>
           <a:xfrm>
-            <a:off x="387639" y="1687655"/>
-            <a:ext cx="946734" cy="487103"/>
+            <a:off x="401205" y="1687655"/>
+            <a:ext cx="941565" cy="471999"/>
           </a:xfrm>
           <a:prstGeom prst="rect">
             <a:avLst/>
@@ -2517,18 +2604,18 @@
           <a:p>
             <a:pPr algn="ctr"/>
             <a:r>
+              <a:rPr lang="es-ES" sz="1200" b="1" dirty="0">
+                <a:latin typeface="Arial" panose="020B0604020202020204" pitchFamily="34" charset="0"/>
+                <a:cs typeface="Arial" panose="020B0604020202020204" pitchFamily="34" charset="0"/>
+              </a:rPr>
+              <a:t>D</a:t>
+            </a:r>
+            <a:r>
               <a:rPr lang="es-ES" sz="1200" b="1" dirty="0" smtClean="0">
                 <a:latin typeface="Arial" panose="020B0604020202020204" pitchFamily="34" charset="0"/>
                 <a:cs typeface="Arial" panose="020B0604020202020204" pitchFamily="34" charset="0"/>
               </a:rPr>
-              <a:t>De</a:t>
-            </a:r>
-            <a:r>
-              <a:rPr lang="es-ES" sz="1200" b="1" dirty="0" smtClean="0">
-                <a:latin typeface="Arial" panose="020B0604020202020204" pitchFamily="34" charset="0"/>
-                <a:cs typeface="Arial" panose="020B0604020202020204" pitchFamily="34" charset="0"/>
-              </a:rPr>
-              <a:t>ductivo</a:t>
+              <a:t>eductivo</a:t>
             </a:r>
             <a:endParaRPr lang="es-ES" sz="1200" b="1" dirty="0">
               <a:latin typeface="Arial" panose="020B0604020202020204" pitchFamily="34" charset="0"/>
@@ -2545,7 +2632,7 @@
         </p:nvSpPr>
         <p:spPr>
           <a:xfrm>
-            <a:off x="300780" y="2577824"/>
+            <a:off x="309018" y="2577824"/>
             <a:ext cx="1122431" cy="230832"/>
           </a:xfrm>
           <a:prstGeom prst="rect">
@@ -2565,14 +2652,7 @@
                 <a:latin typeface="Arial" panose="020B0604020202020204" pitchFamily="34" charset="0"/>
                 <a:cs typeface="Arial" panose="020B0604020202020204" pitchFamily="34" charset="0"/>
               </a:rPr>
-              <a:t>parte de</a:t>
-            </a:r>
-            <a:r>
-              <a:rPr lang="es-ES" sz="900" dirty="0" smtClean="0">
-                <a:latin typeface="Arial" panose="020B0604020202020204" pitchFamily="34" charset="0"/>
-                <a:cs typeface="Arial" panose="020B0604020202020204" pitchFamily="34" charset="0"/>
-              </a:rPr>
-              <a:t> lo</a:t>
+              <a:t>parte de lo</a:t>
             </a:r>
             <a:endParaRPr lang="es-ES" sz="900" dirty="0">
               <a:latin typeface="Arial" panose="020B0604020202020204" pitchFamily="34" charset="0"/>
@@ -2591,9 +2671,9 @@
           <p:nvPr/>
         </p:nvCxnSpPr>
         <p:spPr>
-          <a:xfrm rot="16200000" flipH="1">
-            <a:off x="659968" y="2375796"/>
-            <a:ext cx="403066" cy="990"/>
+          <a:xfrm rot="5400000">
+            <a:off x="662026" y="2367862"/>
+            <a:ext cx="418170" cy="1754"/>
           </a:xfrm>
           <a:prstGeom prst="bentConnector3">
             <a:avLst>
@@ -2629,7 +2709,7 @@
         </p:nvSpPr>
         <p:spPr>
           <a:xfrm>
-            <a:off x="393736" y="3115999"/>
+            <a:off x="401974" y="3115999"/>
             <a:ext cx="940637" cy="761068"/>
           </a:xfrm>
           <a:prstGeom prst="rect">
@@ -2666,6 +2746,16 @@
           <a:p>
             <a:pPr algn="ctr"/>
             <a:r>
+              <a:rPr lang="es-ES" sz="1050" dirty="0">
+                <a:solidFill>
+                  <a:schemeClr val="bg1"/>
+                </a:solidFill>
+                <a:latin typeface="Arial" panose="020B0604020202020204" pitchFamily="34" charset="0"/>
+                <a:cs typeface="Arial" panose="020B0604020202020204" pitchFamily="34" charset="0"/>
+              </a:rPr>
+              <a:t>g</a:t>
+            </a:r>
+            <a:r>
               <a:rPr lang="es-ES" sz="1050" dirty="0" smtClean="0">
                 <a:solidFill>
                   <a:schemeClr val="bg1"/>
@@ -2673,7 +2763,17 @@
                 <a:latin typeface="Arial" panose="020B0604020202020204" pitchFamily="34" charset="0"/>
                 <a:cs typeface="Arial" panose="020B0604020202020204" pitchFamily="34" charset="0"/>
               </a:rPr>
-              <a:t>general a lo particular</a:t>
+              <a:t>eneral </a:t>
+            </a:r>
+            <a:r>
+              <a:rPr lang="es-ES" sz="1050" dirty="0" smtClean="0">
+                <a:solidFill>
+                  <a:schemeClr val="bg1"/>
+                </a:solidFill>
+                <a:latin typeface="Arial" panose="020B0604020202020204" pitchFamily="34" charset="0"/>
+                <a:cs typeface="Arial" panose="020B0604020202020204" pitchFamily="34" charset="0"/>
+              </a:rPr>
+              <a:t>a lo particular</a:t>
             </a:r>
             <a:endParaRPr lang="es-ES" sz="1050" dirty="0">
               <a:solidFill>
@@ -2696,7 +2796,7 @@
         </p:nvCxnSpPr>
         <p:spPr>
           <a:xfrm rot="16200000" flipH="1">
-            <a:off x="709354" y="2961297"/>
+            <a:off x="717592" y="2961297"/>
             <a:ext cx="307343" cy="2059"/>
           </a:xfrm>
           <a:prstGeom prst="bentConnector3">
@@ -2736,8 +2836,8 @@
         </p:nvCxnSpPr>
         <p:spPr>
           <a:xfrm rot="5400000">
-            <a:off x="728973" y="1038757"/>
-            <a:ext cx="780932" cy="516865"/>
+            <a:off x="803714" y="1113498"/>
+            <a:ext cx="642432" cy="505883"/>
           </a:xfrm>
           <a:prstGeom prst="bentConnector3">
             <a:avLst>
@@ -2810,6 +2910,16 @@
           <a:p>
             <a:pPr algn="ctr"/>
             <a:r>
+              <a:rPr lang="es-ES" sz="900" dirty="0">
+                <a:solidFill>
+                  <a:schemeClr val="tx1"/>
+                </a:solidFill>
+                <a:latin typeface="Arial" panose="020B0604020202020204" pitchFamily="34" charset="0"/>
+                <a:cs typeface="Arial" panose="020B0604020202020204" pitchFamily="34" charset="0"/>
+              </a:rPr>
+              <a:t>m</a:t>
+            </a:r>
+            <a:r>
               <a:rPr lang="es-ES" sz="900" dirty="0" smtClean="0">
                 <a:solidFill>
                   <a:schemeClr val="tx1"/>
@@ -2817,7 +2927,17 @@
                 <a:latin typeface="Arial" panose="020B0604020202020204" pitchFamily="34" charset="0"/>
                 <a:cs typeface="Arial" panose="020B0604020202020204" pitchFamily="34" charset="0"/>
               </a:rPr>
-              <a:t>método indirecto</a:t>
+              <a:t>étodo </a:t>
+            </a:r>
+            <a:r>
+              <a:rPr lang="es-ES" sz="900" dirty="0" smtClean="0">
+                <a:solidFill>
+                  <a:schemeClr val="tx1"/>
+                </a:solidFill>
+                <a:latin typeface="Arial" panose="020B0604020202020204" pitchFamily="34" charset="0"/>
+                <a:cs typeface="Arial" panose="020B0604020202020204" pitchFamily="34" charset="0"/>
+              </a:rPr>
+              <a:t>indirecto</a:t>
             </a:r>
             <a:endParaRPr lang="es-ES" sz="900" dirty="0">
               <a:solidFill>
@@ -2840,8 +2960,8 @@
         </p:nvCxnSpPr>
         <p:spPr>
           <a:xfrm rot="16200000" flipH="1">
-            <a:off x="3216170" y="4495522"/>
-            <a:ext cx="448838" cy="376346"/>
+            <a:off x="3137909" y="4417261"/>
+            <a:ext cx="605360" cy="376346"/>
           </a:xfrm>
           <a:prstGeom prst="bentConnector3">
             <a:avLst>
@@ -2914,6 +3034,16 @@
           <a:p>
             <a:pPr algn="ctr"/>
             <a:r>
+              <a:rPr lang="es-ES" sz="900" dirty="0">
+                <a:solidFill>
+                  <a:schemeClr val="tx1"/>
+                </a:solidFill>
+                <a:latin typeface="Arial" panose="020B0604020202020204" pitchFamily="34" charset="0"/>
+                <a:cs typeface="Arial" panose="020B0604020202020204" pitchFamily="34" charset="0"/>
+              </a:rPr>
+              <a:t>p</a:t>
+            </a:r>
+            <a:r>
               <a:rPr lang="es-ES" sz="900" dirty="0" smtClean="0">
                 <a:solidFill>
                   <a:schemeClr val="tx1"/>
@@ -2921,7 +3051,17 @@
                 <a:latin typeface="Arial" panose="020B0604020202020204" pitchFamily="34" charset="0"/>
                 <a:cs typeface="Arial" panose="020B0604020202020204" pitchFamily="34" charset="0"/>
               </a:rPr>
-              <a:t>por contra ejemplo</a:t>
+              <a:t>or </a:t>
+            </a:r>
+            <a:r>
+              <a:rPr lang="es-ES" sz="900" dirty="0" smtClean="0">
+                <a:solidFill>
+                  <a:schemeClr val="tx1"/>
+                </a:solidFill>
+                <a:latin typeface="Arial" panose="020B0604020202020204" pitchFamily="34" charset="0"/>
+                <a:cs typeface="Arial" panose="020B0604020202020204" pitchFamily="34" charset="0"/>
+              </a:rPr>
+              <a:t>contra ejemplo</a:t>
             </a:r>
             <a:endParaRPr lang="es-ES" sz="900" dirty="0">
               <a:solidFill>
@@ -2944,8 +3084,8 @@
         </p:nvCxnSpPr>
         <p:spPr>
           <a:xfrm rot="16200000" flipH="1">
-            <a:off x="3597813" y="4113879"/>
-            <a:ext cx="456677" cy="1147470"/>
+            <a:off x="3519552" y="4035618"/>
+            <a:ext cx="613199" cy="1147470"/>
           </a:xfrm>
           <a:prstGeom prst="bentConnector3">
             <a:avLst>
@@ -2981,8 +3121,8 @@
         </p:nvSpPr>
         <p:spPr>
           <a:xfrm>
-            <a:off x="1438316" y="4915952"/>
-            <a:ext cx="1044288" cy="470240"/>
+            <a:off x="1377871" y="4915952"/>
+            <a:ext cx="1104733" cy="470240"/>
           </a:xfrm>
           <a:prstGeom prst="rect">
             <a:avLst/>
@@ -3018,6 +3158,16 @@
           <a:p>
             <a:pPr algn="ctr"/>
             <a:r>
+              <a:rPr lang="es-ES" sz="900" dirty="0">
+                <a:solidFill>
+                  <a:schemeClr val="tx1"/>
+                </a:solidFill>
+                <a:latin typeface="Arial" panose="020B0604020202020204" pitchFamily="34" charset="0"/>
+                <a:cs typeface="Arial" panose="020B0604020202020204" pitchFamily="34" charset="0"/>
+              </a:rPr>
+              <a:t>g</a:t>
+            </a:r>
+            <a:r>
               <a:rPr lang="es-ES" sz="900" dirty="0" smtClean="0">
                 <a:solidFill>
                   <a:schemeClr val="tx1"/>
@@ -3025,7 +3175,17 @@
                 <a:latin typeface="Arial" panose="020B0604020202020204" pitchFamily="34" charset="0"/>
                 <a:cs typeface="Arial" panose="020B0604020202020204" pitchFamily="34" charset="0"/>
               </a:rPr>
-              <a:t>generalizaciones falsas</a:t>
+              <a:t>eneralizaciones </a:t>
+            </a:r>
+            <a:r>
+              <a:rPr lang="es-ES" sz="900" dirty="0" smtClean="0">
+                <a:solidFill>
+                  <a:schemeClr val="tx1"/>
+                </a:solidFill>
+                <a:latin typeface="Arial" panose="020B0604020202020204" pitchFamily="34" charset="0"/>
+                <a:cs typeface="Arial" panose="020B0604020202020204" pitchFamily="34" charset="0"/>
+              </a:rPr>
+              <a:t>falsas</a:t>
             </a:r>
             <a:endParaRPr lang="es-ES" sz="900" dirty="0">
               <a:solidFill>
@@ -3048,8 +3208,8 @@
         </p:nvCxnSpPr>
         <p:spPr>
           <a:xfrm rot="5400000">
-            <a:off x="2378100" y="4041636"/>
-            <a:ext cx="456676" cy="1291956"/>
+            <a:off x="2284728" y="3948264"/>
+            <a:ext cx="613198" cy="1322178"/>
           </a:xfrm>
           <a:prstGeom prst="bentConnector3">
             <a:avLst>
@@ -3127,11 +3287,18 @@
           <a:p>
             <a:pPr algn="ctr"/>
             <a:r>
+              <a:rPr lang="es-ES" sz="1200" b="1" dirty="0">
+                <a:latin typeface="Arial" panose="020B0604020202020204" pitchFamily="34" charset="0"/>
+                <a:cs typeface="Arial" panose="020B0604020202020204" pitchFamily="34" charset="0"/>
+              </a:rPr>
+              <a:t>Á</a:t>
+            </a:r>
+            <a:r>
               <a:rPr lang="es-ES" sz="1200" b="1" dirty="0" smtClean="0">
                 <a:latin typeface="Arial" panose="020B0604020202020204" pitchFamily="34" charset="0"/>
                 <a:cs typeface="Arial" panose="020B0604020202020204" pitchFamily="34" charset="0"/>
               </a:rPr>
-              <a:t>Ángulos en polígonos</a:t>
+              <a:t>ngulos en polígonos</a:t>
             </a:r>
             <a:endParaRPr lang="es-ES" sz="1200" b="1" dirty="0">
               <a:latin typeface="Arial" panose="020B0604020202020204" pitchFamily="34" charset="0"/>
@@ -3151,8 +3318,8 @@
         </p:nvCxnSpPr>
         <p:spPr>
           <a:xfrm rot="16200000" flipH="1">
-            <a:off x="6480859" y="593376"/>
-            <a:ext cx="748555" cy="1414609"/>
+            <a:off x="6472621" y="585138"/>
+            <a:ext cx="765031" cy="1414609"/>
           </a:xfrm>
           <a:prstGeom prst="bentConnector3">
             <a:avLst>
@@ -3188,7 +3355,7 @@
         </p:nvSpPr>
         <p:spPr>
           <a:xfrm>
-            <a:off x="6996442" y="2476243"/>
+            <a:off x="7004680" y="2476243"/>
             <a:ext cx="1122431" cy="230832"/>
           </a:xfrm>
           <a:prstGeom prst="rect">
@@ -3227,9 +3394,9 @@
           <p:nvPr/>
         </p:nvCxnSpPr>
         <p:spPr>
-          <a:xfrm rot="5400000">
-            <a:off x="7427832" y="2341633"/>
-            <a:ext cx="264437" cy="4783"/>
+          <a:xfrm rot="16200000" flipH="1">
+            <a:off x="7431950" y="2342296"/>
+            <a:ext cx="264437" cy="3455"/>
           </a:xfrm>
           <a:prstGeom prst="bentConnector3">
             <a:avLst>
@@ -3265,7 +3432,7 @@
         </p:nvSpPr>
         <p:spPr>
           <a:xfrm>
-            <a:off x="7110136" y="3105690"/>
+            <a:off x="7118374" y="3105690"/>
             <a:ext cx="896003" cy="801282"/>
           </a:xfrm>
           <a:prstGeom prst="rect">
@@ -3302,6 +3469,16 @@
           <a:p>
             <a:pPr algn="ctr"/>
             <a:r>
+              <a:rPr lang="es-ES" sz="1050" dirty="0">
+                <a:solidFill>
+                  <a:schemeClr val="bg1"/>
+                </a:solidFill>
+                <a:latin typeface="Arial" panose="020B0604020202020204" pitchFamily="34" charset="0"/>
+                <a:cs typeface="Arial" panose="020B0604020202020204" pitchFamily="34" charset="0"/>
+              </a:rPr>
+              <a:t>l</a:t>
+            </a:r>
+            <a:r>
               <a:rPr lang="es-ES" sz="1050" dirty="0" smtClean="0">
                 <a:solidFill>
                   <a:schemeClr val="bg1"/>
@@ -3309,7 +3486,7 @@
                 <a:latin typeface="Arial" panose="020B0604020202020204" pitchFamily="34" charset="0"/>
                 <a:cs typeface="Arial" panose="020B0604020202020204" pitchFamily="34" charset="0"/>
               </a:rPr>
-              <a:t>los</a:t>
+              <a:t>os </a:t>
             </a:r>
             <a:r>
               <a:rPr lang="es-ES" sz="1050" dirty="0" smtClean="0">
@@ -3319,7 +3496,7 @@
                 <a:latin typeface="Arial" panose="020B0604020202020204" pitchFamily="34" charset="0"/>
                 <a:cs typeface="Arial" panose="020B0604020202020204" pitchFamily="34" charset="0"/>
               </a:rPr>
-              <a:t> ángulos en polígonos</a:t>
+              <a:t>ángulos en polígonos</a:t>
             </a:r>
             <a:endParaRPr lang="es-ES" sz="1050" dirty="0">
               <a:solidFill>
@@ -3342,7 +3519,7 @@
         </p:nvCxnSpPr>
         <p:spPr>
           <a:xfrm rot="16200000" flipH="1">
-            <a:off x="7358591" y="2906142"/>
+            <a:off x="7366829" y="2906142"/>
             <a:ext cx="398615" cy="480"/>
           </a:xfrm>
           <a:prstGeom prst="bentConnector3">
@@ -3416,6 +3593,16 @@
           <a:p>
             <a:pPr algn="ctr"/>
             <a:r>
+              <a:rPr lang="es-ES" sz="1050" dirty="0">
+                <a:solidFill>
+                  <a:schemeClr val="bg1"/>
+                </a:solidFill>
+                <a:latin typeface="Arial" panose="020B0604020202020204" pitchFamily="34" charset="0"/>
+                <a:cs typeface="Arial" panose="020B0604020202020204" pitchFamily="34" charset="0"/>
+              </a:rPr>
+              <a:t>l</a:t>
+            </a:r>
+            <a:r>
               <a:rPr lang="es-ES" sz="1050" dirty="0" smtClean="0">
                 <a:solidFill>
                   <a:schemeClr val="bg1"/>
@@ -3423,7 +3610,7 @@
                 <a:latin typeface="Arial" panose="020B0604020202020204" pitchFamily="34" charset="0"/>
                 <a:cs typeface="Arial" panose="020B0604020202020204" pitchFamily="34" charset="0"/>
               </a:rPr>
-              <a:t>los</a:t>
+              <a:t>os </a:t>
             </a:r>
             <a:r>
               <a:rPr lang="es-ES" sz="1050" dirty="0" smtClean="0">
@@ -3433,7 +3620,7 @@
                 <a:latin typeface="Arial" panose="020B0604020202020204" pitchFamily="34" charset="0"/>
                 <a:cs typeface="Arial" panose="020B0604020202020204" pitchFamily="34" charset="0"/>
               </a:rPr>
-              <a:t> ángulos en la circunferencia</a:t>
+              <a:t>ángulos en la circunferencia</a:t>
             </a:r>
             <a:endParaRPr lang="es-ES" sz="1050" dirty="0">
               <a:solidFill>
@@ -3456,8 +3643,8 @@
         </p:nvCxnSpPr>
         <p:spPr>
           <a:xfrm rot="16200000" flipH="1">
-            <a:off x="7875458" y="2389275"/>
-            <a:ext cx="398615" cy="1034214"/>
+            <a:off x="7879577" y="2393394"/>
+            <a:ext cx="398615" cy="1025976"/>
           </a:xfrm>
           <a:prstGeom prst="bentConnector3">
             <a:avLst>
@@ -3493,7 +3680,7 @@
         </p:nvSpPr>
         <p:spPr>
           <a:xfrm>
-            <a:off x="5969751" y="3105690"/>
+            <a:off x="5977989" y="3105690"/>
             <a:ext cx="1082764" cy="801285"/>
           </a:xfrm>
           <a:prstGeom prst="rect">
@@ -3530,6 +3717,16 @@
           <a:p>
             <a:pPr algn="ctr"/>
             <a:r>
+              <a:rPr lang="es-ES" sz="1050" dirty="0">
+                <a:solidFill>
+                  <a:schemeClr val="bg1"/>
+                </a:solidFill>
+                <a:latin typeface="Arial" panose="020B0604020202020204" pitchFamily="34" charset="0"/>
+                <a:cs typeface="Arial" panose="020B0604020202020204" pitchFamily="34" charset="0"/>
+              </a:rPr>
+              <a:t>l</a:t>
+            </a:r>
+            <a:r>
               <a:rPr lang="es-ES" sz="1050" dirty="0" smtClean="0">
                 <a:solidFill>
                   <a:schemeClr val="bg1"/>
@@ -3537,7 +3734,7 @@
                 <a:latin typeface="Arial" panose="020B0604020202020204" pitchFamily="34" charset="0"/>
                 <a:cs typeface="Arial" panose="020B0604020202020204" pitchFamily="34" charset="0"/>
               </a:rPr>
-              <a:t>las</a:t>
+              <a:t>as </a:t>
             </a:r>
             <a:r>
               <a:rPr lang="es-ES" sz="1050" dirty="0" smtClean="0">
@@ -3547,7 +3744,7 @@
                 <a:latin typeface="Arial" panose="020B0604020202020204" pitchFamily="34" charset="0"/>
                 <a:cs typeface="Arial" panose="020B0604020202020204" pitchFamily="34" charset="0"/>
               </a:rPr>
-              <a:t> construcciones geométricas</a:t>
+              <a:t>construcciones geométricas</a:t>
             </a:r>
             <a:endParaRPr lang="es-ES" sz="1050" dirty="0">
               <a:solidFill>
@@ -3570,7 +3767,7 @@
         </p:nvCxnSpPr>
         <p:spPr>
           <a:xfrm rot="5400000">
-            <a:off x="6835089" y="2383120"/>
+            <a:off x="6843327" y="2383120"/>
             <a:ext cx="398615" cy="1046525"/>
           </a:xfrm>
           <a:prstGeom prst="bentConnector3">
@@ -3644,6 +3841,16 @@
           <a:p>
             <a:pPr algn="ctr"/>
             <a:r>
+              <a:rPr lang="es-ES" sz="900" dirty="0">
+                <a:solidFill>
+                  <a:schemeClr val="tx1"/>
+                </a:solidFill>
+                <a:latin typeface="Arial" panose="020B0604020202020204" pitchFamily="34" charset="0"/>
+                <a:cs typeface="Arial" panose="020B0604020202020204" pitchFamily="34" charset="0"/>
+              </a:rPr>
+              <a:t>m</a:t>
+            </a:r>
+            <a:r>
               <a:rPr lang="es-ES" sz="900" dirty="0" smtClean="0">
                 <a:solidFill>
                   <a:schemeClr val="tx1"/>
@@ -3651,7 +3858,17 @@
                 <a:latin typeface="Arial" panose="020B0604020202020204" pitchFamily="34" charset="0"/>
                 <a:cs typeface="Arial" panose="020B0604020202020204" pitchFamily="34" charset="0"/>
               </a:rPr>
-              <a:t>mediatriz de un segmento</a:t>
+              <a:t>ediatriz </a:t>
+            </a:r>
+            <a:r>
+              <a:rPr lang="es-ES" sz="900" dirty="0" smtClean="0">
+                <a:solidFill>
+                  <a:schemeClr val="tx1"/>
+                </a:solidFill>
+                <a:latin typeface="Arial" panose="020B0604020202020204" pitchFamily="34" charset="0"/>
+                <a:cs typeface="Arial" panose="020B0604020202020204" pitchFamily="34" charset="0"/>
+              </a:rPr>
+              <a:t>de un segmento</a:t>
             </a:r>
             <a:endParaRPr lang="es-ES" sz="900" dirty="0">
               <a:solidFill>
@@ -3674,8 +3891,8 @@
         </p:nvCxnSpPr>
         <p:spPr>
           <a:xfrm rot="5400000">
-            <a:off x="5396356" y="3798308"/>
-            <a:ext cx="1006111" cy="1223444"/>
+            <a:off x="5400475" y="3794189"/>
+            <a:ext cx="1006111" cy="1231682"/>
           </a:xfrm>
           <a:prstGeom prst="bentConnector3">
             <a:avLst>
@@ -3748,6 +3965,16 @@
           <a:p>
             <a:pPr algn="ctr"/>
             <a:r>
+              <a:rPr lang="es-ES" sz="900" dirty="0">
+                <a:solidFill>
+                  <a:schemeClr val="tx1"/>
+                </a:solidFill>
+                <a:latin typeface="Arial" panose="020B0604020202020204" pitchFamily="34" charset="0"/>
+                <a:cs typeface="Arial" panose="020B0604020202020204" pitchFamily="34" charset="0"/>
+              </a:rPr>
+              <a:t>b</a:t>
+            </a:r>
+            <a:r>
               <a:rPr lang="es-ES" sz="900" dirty="0" smtClean="0">
                 <a:solidFill>
                   <a:schemeClr val="tx1"/>
@@ -3755,7 +3982,17 @@
                 <a:latin typeface="Arial" panose="020B0604020202020204" pitchFamily="34" charset="0"/>
                 <a:cs typeface="Arial" panose="020B0604020202020204" pitchFamily="34" charset="0"/>
               </a:rPr>
-              <a:t>bisectriz de un ángulo</a:t>
+              <a:t>isectriz </a:t>
+            </a:r>
+            <a:r>
+              <a:rPr lang="es-ES" sz="900" dirty="0" smtClean="0">
+                <a:solidFill>
+                  <a:schemeClr val="tx1"/>
+                </a:solidFill>
+                <a:latin typeface="Arial" panose="020B0604020202020204" pitchFamily="34" charset="0"/>
+                <a:cs typeface="Arial" panose="020B0604020202020204" pitchFamily="34" charset="0"/>
+              </a:rPr>
+              <a:t>de un ángulo</a:t>
             </a:r>
             <a:endParaRPr lang="es-ES" sz="900" dirty="0">
               <a:solidFill>
@@ -3778,8 +4015,8 @@
         </p:nvCxnSpPr>
         <p:spPr>
           <a:xfrm rot="5400000">
-            <a:off x="5795720" y="4200538"/>
-            <a:ext cx="1008977" cy="421851"/>
+            <a:off x="5799839" y="4196419"/>
+            <a:ext cx="1008977" cy="430089"/>
           </a:xfrm>
           <a:prstGeom prst="bentConnector3">
             <a:avLst>
@@ -3852,6 +4089,16 @@
           <a:p>
             <a:pPr algn="ctr"/>
             <a:r>
+              <a:rPr lang="es-ES" sz="900" dirty="0">
+                <a:solidFill>
+                  <a:schemeClr val="tx1"/>
+                </a:solidFill>
+                <a:latin typeface="Arial" panose="020B0604020202020204" pitchFamily="34" charset="0"/>
+                <a:cs typeface="Arial" panose="020B0604020202020204" pitchFamily="34" charset="0"/>
+              </a:rPr>
+              <a:t>r</a:t>
+            </a:r>
+            <a:r>
               <a:rPr lang="es-ES" sz="900" dirty="0" smtClean="0">
                 <a:solidFill>
                   <a:schemeClr val="tx1"/>
@@ -3859,7 +4106,17 @@
                 <a:latin typeface="Arial" panose="020B0604020202020204" pitchFamily="34" charset="0"/>
                 <a:cs typeface="Arial" panose="020B0604020202020204" pitchFamily="34" charset="0"/>
               </a:rPr>
-              <a:t>rectas paralelas</a:t>
+              <a:t>ectas </a:t>
+            </a:r>
+            <a:r>
+              <a:rPr lang="es-ES" sz="900" dirty="0" smtClean="0">
+                <a:solidFill>
+                  <a:schemeClr val="tx1"/>
+                </a:solidFill>
+                <a:latin typeface="Arial" panose="020B0604020202020204" pitchFamily="34" charset="0"/>
+                <a:cs typeface="Arial" panose="020B0604020202020204" pitchFamily="34" charset="0"/>
+              </a:rPr>
+              <a:t>paralelas</a:t>
             </a:r>
             <a:endParaRPr lang="es-ES" sz="900" dirty="0">
               <a:solidFill>
@@ -3882,8 +4139,8 @@
         </p:nvCxnSpPr>
         <p:spPr>
           <a:xfrm rot="16200000" flipH="1">
-            <a:off x="6223882" y="4194225"/>
-            <a:ext cx="1001139" cy="426637"/>
+            <a:off x="6228001" y="4198344"/>
+            <a:ext cx="1001139" cy="418399"/>
           </a:xfrm>
           <a:prstGeom prst="bentConnector3">
             <a:avLst>
@@ -3956,6 +4213,16 @@
           <a:p>
             <a:pPr algn="ctr"/>
             <a:r>
+              <a:rPr lang="es-ES" sz="900" dirty="0">
+                <a:solidFill>
+                  <a:schemeClr val="tx1"/>
+                </a:solidFill>
+                <a:latin typeface="Arial" panose="020B0604020202020204" pitchFamily="34" charset="0"/>
+                <a:cs typeface="Arial" panose="020B0604020202020204" pitchFamily="34" charset="0"/>
+              </a:rPr>
+              <a:t>r</a:t>
+            </a:r>
+            <a:r>
               <a:rPr lang="es-ES" sz="900" dirty="0" smtClean="0">
                 <a:solidFill>
                   <a:schemeClr val="tx1"/>
@@ -3963,7 +4230,17 @@
                 <a:latin typeface="Arial" panose="020B0604020202020204" pitchFamily="34" charset="0"/>
                 <a:cs typeface="Arial" panose="020B0604020202020204" pitchFamily="34" charset="0"/>
               </a:rPr>
-              <a:t>rectas perpendiculares</a:t>
+              <a:t>ectas </a:t>
+            </a:r>
+            <a:r>
+              <a:rPr lang="es-ES" sz="900" dirty="0" smtClean="0">
+                <a:solidFill>
+                  <a:schemeClr val="tx1"/>
+                </a:solidFill>
+                <a:latin typeface="Arial" panose="020B0604020202020204" pitchFamily="34" charset="0"/>
+                <a:cs typeface="Arial" panose="020B0604020202020204" pitchFamily="34" charset="0"/>
+              </a:rPr>
+              <a:t>perpendiculares</a:t>
             </a:r>
             <a:endParaRPr lang="es-ES" sz="900" dirty="0">
               <a:solidFill>
@@ -3986,8 +4263,8 @@
         </p:nvCxnSpPr>
         <p:spPr>
           <a:xfrm rot="16200000" flipH="1">
-            <a:off x="6717341" y="3700766"/>
-            <a:ext cx="1011550" cy="1423967"/>
+            <a:off x="6721460" y="3704885"/>
+            <a:ext cx="1011550" cy="1415729"/>
           </a:xfrm>
           <a:prstGeom prst="bentConnector3">
             <a:avLst>
